--- a/django_auth_slides.pptx
+++ b/django_auth_slides.pptx
@@ -5,15 +5,19 @@
     <p:sldMasterId id="2147483648" r:id="rId1"/>
   </p:sldMasterIdLst>
   <p:sldIdLst>
-    <p:sldId id="256" r:id="rId7"/>
-    <p:sldId id="257" r:id="rId8"/>
-    <p:sldId id="258" r:id="rId9"/>
-    <p:sldId id="259" r:id="rId10"/>
-    <p:sldId id="260" r:id="rId11"/>
-    <p:sldId id="261" r:id="rId12"/>
-    <p:sldId id="262" r:id="rId13"/>
-    <p:sldId id="263" r:id="rId14"/>
-    <p:sldId id="264" r:id="rId15"/>
+    <p:sldId id="256" r:id="rId2"/>
+    <p:sldId id="265" r:id="rId3"/>
+    <p:sldId id="266" r:id="rId4"/>
+    <p:sldId id="257" r:id="rId5"/>
+    <p:sldId id="258" r:id="rId6"/>
+    <p:sldId id="259" r:id="rId7"/>
+    <p:sldId id="267" r:id="rId8"/>
+    <p:sldId id="260" r:id="rId9"/>
+    <p:sldId id="268" r:id="rId10"/>
+    <p:sldId id="261" r:id="rId11"/>
+    <p:sldId id="262" r:id="rId12"/>
+    <p:sldId id="263" r:id="rId13"/>
+    <p:sldId id="264" r:id="rId14"/>
   </p:sldIdLst>
   <p:sldSz cx="9144000" cy="6858000" type="screen4x3"/>
   <p:notesSz cx="6858000" cy="9144000"/>
@@ -112,6 +116,22 @@
       </a:defRPr>
     </a:lvl9pPr>
   </p:defaultTextStyle>
+  <p:extLst>
+    <p:ext uri="{EFAFB233-063F-42B5-8137-9DF3F51BA10A}">
+      <p15:sldGuideLst xmlns:p15="http://schemas.microsoft.com/office/powerpoint/2012/main">
+        <p15:guide id="1" orient="horz" pos="2160">
+          <p15:clr>
+            <a:srgbClr val="A4A3A4"/>
+          </p15:clr>
+        </p15:guide>
+        <p15:guide id="2" pos="2880">
+          <p15:clr>
+            <a:srgbClr val="A4A3A4"/>
+          </p15:clr>
+        </p15:guide>
+      </p15:sldGuideLst>
+    </p:ext>
+  </p:extLst>
 </p:presentation>
 </file>
 
@@ -153,10 +173,9 @@
           <a:lstStyle/>
           <a:p>
             <a:r>
-              <a:rPr lang="en-US" smtClean="0"/>
+              <a:rPr lang="en-US"/>
               <a:t>Click to edit Master title style</a:t>
             </a:r>
-            <a:endParaRPr lang="en-US"/>
           </a:p>
         </p:txBody>
       </p:sp>
@@ -272,10 +291,9 @@
           </a:lstStyle>
           <a:p>
             <a:r>
-              <a:rPr lang="en-US" smtClean="0"/>
+              <a:rPr lang="en-US"/>
               <a:t>Click to edit Master subtitle style</a:t>
             </a:r>
-            <a:endParaRPr lang="en-US"/>
           </a:p>
         </p:txBody>
       </p:sp>
@@ -296,7 +314,7 @@
           <a:p>
             <a:fld id="{5BCAD085-E8A6-8845-BD4E-CB4CCA059FC4}" type="datetimeFigureOut">
               <a:rPr lang="en-US" smtClean="0"/>
-              <a:t>1/27/13</a:t>
+              <a:t>12/12/2025</a:t>
             </a:fld>
             <a:endParaRPr lang="en-US"/>
           </a:p>
@@ -390,10 +408,9 @@
           <a:lstStyle/>
           <a:p>
             <a:r>
-              <a:rPr lang="en-US" smtClean="0"/>
+              <a:rPr lang="en-US"/>
               <a:t>Click to edit Master title style</a:t>
             </a:r>
-            <a:endParaRPr lang="en-US"/>
           </a:p>
         </p:txBody>
       </p:sp>
@@ -414,38 +431,37 @@
           <a:p>
             <a:pPr lvl="0"/>
             <a:r>
-              <a:rPr lang="en-US" smtClean="0"/>
+              <a:rPr lang="en-US"/>
               <a:t>Click to edit Master text styles</a:t>
             </a:r>
           </a:p>
           <a:p>
             <a:pPr lvl="1"/>
             <a:r>
-              <a:rPr lang="en-US" smtClean="0"/>
+              <a:rPr lang="en-US"/>
               <a:t>Second level</a:t>
             </a:r>
           </a:p>
           <a:p>
             <a:pPr lvl="2"/>
             <a:r>
-              <a:rPr lang="en-US" smtClean="0"/>
+              <a:rPr lang="en-US"/>
               <a:t>Third level</a:t>
             </a:r>
           </a:p>
           <a:p>
             <a:pPr lvl="3"/>
             <a:r>
-              <a:rPr lang="en-US" smtClean="0"/>
+              <a:rPr lang="en-US"/>
               <a:t>Fourth level</a:t>
             </a:r>
           </a:p>
           <a:p>
             <a:pPr lvl="4"/>
             <a:r>
-              <a:rPr lang="en-US" smtClean="0"/>
+              <a:rPr lang="en-US"/>
               <a:t>Fifth level</a:t>
             </a:r>
-            <a:endParaRPr lang="en-US"/>
           </a:p>
         </p:txBody>
       </p:sp>
@@ -466,7 +482,7 @@
           <a:p>
             <a:fld id="{5BCAD085-E8A6-8845-BD4E-CB4CCA059FC4}" type="datetimeFigureOut">
               <a:rPr lang="en-US" smtClean="0"/>
-              <a:t>1/27/13</a:t>
+              <a:t>12/12/2025</a:t>
             </a:fld>
             <a:endParaRPr lang="en-US"/>
           </a:p>
@@ -565,10 +581,9 @@
           <a:lstStyle/>
           <a:p>
             <a:r>
-              <a:rPr lang="en-US" smtClean="0"/>
+              <a:rPr lang="en-US"/>
               <a:t>Click to edit Master title style</a:t>
             </a:r>
-            <a:endParaRPr lang="en-US"/>
           </a:p>
         </p:txBody>
       </p:sp>
@@ -594,38 +609,37 @@
           <a:p>
             <a:pPr lvl="0"/>
             <a:r>
-              <a:rPr lang="en-US" smtClean="0"/>
+              <a:rPr lang="en-US"/>
               <a:t>Click to edit Master text styles</a:t>
             </a:r>
           </a:p>
           <a:p>
             <a:pPr lvl="1"/>
             <a:r>
-              <a:rPr lang="en-US" smtClean="0"/>
+              <a:rPr lang="en-US"/>
               <a:t>Second level</a:t>
             </a:r>
           </a:p>
           <a:p>
             <a:pPr lvl="2"/>
             <a:r>
-              <a:rPr lang="en-US" smtClean="0"/>
+              <a:rPr lang="en-US"/>
               <a:t>Third level</a:t>
             </a:r>
           </a:p>
           <a:p>
             <a:pPr lvl="3"/>
             <a:r>
-              <a:rPr lang="en-US" smtClean="0"/>
+              <a:rPr lang="en-US"/>
               <a:t>Fourth level</a:t>
             </a:r>
           </a:p>
           <a:p>
             <a:pPr lvl="4"/>
             <a:r>
-              <a:rPr lang="en-US" smtClean="0"/>
+              <a:rPr lang="en-US"/>
               <a:t>Fifth level</a:t>
             </a:r>
-            <a:endParaRPr lang="en-US"/>
           </a:p>
         </p:txBody>
       </p:sp>
@@ -646,7 +660,7 @@
           <a:p>
             <a:fld id="{5BCAD085-E8A6-8845-BD4E-CB4CCA059FC4}" type="datetimeFigureOut">
               <a:rPr lang="en-US" smtClean="0"/>
-              <a:t>1/27/13</a:t>
+              <a:t>12/12/2025</a:t>
             </a:fld>
             <a:endParaRPr lang="en-US"/>
           </a:p>
@@ -740,10 +754,9 @@
           <a:lstStyle/>
           <a:p>
             <a:r>
-              <a:rPr lang="en-US" smtClean="0"/>
+              <a:rPr lang="en-US"/>
               <a:t>Click to edit Master title style</a:t>
             </a:r>
-            <a:endParaRPr lang="en-US"/>
           </a:p>
         </p:txBody>
       </p:sp>
@@ -764,38 +777,37 @@
           <a:p>
             <a:pPr lvl="0"/>
             <a:r>
-              <a:rPr lang="en-US" smtClean="0"/>
+              <a:rPr lang="en-US"/>
               <a:t>Click to edit Master text styles</a:t>
             </a:r>
           </a:p>
           <a:p>
             <a:pPr lvl="1"/>
             <a:r>
-              <a:rPr lang="en-US" smtClean="0"/>
+              <a:rPr lang="en-US"/>
               <a:t>Second level</a:t>
             </a:r>
           </a:p>
           <a:p>
             <a:pPr lvl="2"/>
             <a:r>
-              <a:rPr lang="en-US" smtClean="0"/>
+              <a:rPr lang="en-US"/>
               <a:t>Third level</a:t>
             </a:r>
           </a:p>
           <a:p>
             <a:pPr lvl="3"/>
             <a:r>
-              <a:rPr lang="en-US" smtClean="0"/>
+              <a:rPr lang="en-US"/>
               <a:t>Fourth level</a:t>
             </a:r>
           </a:p>
           <a:p>
             <a:pPr lvl="4"/>
             <a:r>
-              <a:rPr lang="en-US" smtClean="0"/>
+              <a:rPr lang="en-US"/>
               <a:t>Fifth level</a:t>
             </a:r>
-            <a:endParaRPr lang="en-US"/>
           </a:p>
         </p:txBody>
       </p:sp>
@@ -816,7 +828,7 @@
           <a:p>
             <a:fld id="{5BCAD085-E8A6-8845-BD4E-CB4CCA059FC4}" type="datetimeFigureOut">
               <a:rPr lang="en-US" smtClean="0"/>
-              <a:t>1/27/13</a:t>
+              <a:t>12/12/2025</a:t>
             </a:fld>
             <a:endParaRPr lang="en-US"/>
           </a:p>
@@ -919,10 +931,9 @@
           </a:lstStyle>
           <a:p>
             <a:r>
-              <a:rPr lang="en-US" smtClean="0"/>
+              <a:rPr lang="en-US"/>
               <a:t>Click to edit Master title style</a:t>
             </a:r>
-            <a:endParaRPr lang="en-US"/>
           </a:p>
         </p:txBody>
       </p:sp>
@@ -1039,7 +1050,7 @@
           <a:p>
             <a:pPr lvl="0"/>
             <a:r>
-              <a:rPr lang="en-US" smtClean="0"/>
+              <a:rPr lang="en-US"/>
               <a:t>Click to edit Master text styles</a:t>
             </a:r>
           </a:p>
@@ -1062,7 +1073,7 @@
           <a:p>
             <a:fld id="{5BCAD085-E8A6-8845-BD4E-CB4CCA059FC4}" type="datetimeFigureOut">
               <a:rPr lang="en-US" smtClean="0"/>
-              <a:t>1/27/13</a:t>
+              <a:t>12/12/2025</a:t>
             </a:fld>
             <a:endParaRPr lang="en-US"/>
           </a:p>
@@ -1156,10 +1167,9 @@
           <a:lstStyle/>
           <a:p>
             <a:r>
-              <a:rPr lang="en-US" smtClean="0"/>
+              <a:rPr lang="en-US"/>
               <a:t>Click to edit Master title style</a:t>
             </a:r>
-            <a:endParaRPr lang="en-US"/>
           </a:p>
         </p:txBody>
       </p:sp>
@@ -1213,38 +1223,37 @@
           <a:p>
             <a:pPr lvl="0"/>
             <a:r>
-              <a:rPr lang="en-US" smtClean="0"/>
+              <a:rPr lang="en-US"/>
               <a:t>Click to edit Master text styles</a:t>
             </a:r>
           </a:p>
           <a:p>
             <a:pPr lvl="1"/>
             <a:r>
-              <a:rPr lang="en-US" smtClean="0"/>
+              <a:rPr lang="en-US"/>
               <a:t>Second level</a:t>
             </a:r>
           </a:p>
           <a:p>
             <a:pPr lvl="2"/>
             <a:r>
-              <a:rPr lang="en-US" smtClean="0"/>
+              <a:rPr lang="en-US"/>
               <a:t>Third level</a:t>
             </a:r>
           </a:p>
           <a:p>
             <a:pPr lvl="3"/>
             <a:r>
-              <a:rPr lang="en-US" smtClean="0"/>
+              <a:rPr lang="en-US"/>
               <a:t>Fourth level</a:t>
             </a:r>
           </a:p>
           <a:p>
             <a:pPr lvl="4"/>
             <a:r>
-              <a:rPr lang="en-US" smtClean="0"/>
+              <a:rPr lang="en-US"/>
               <a:t>Fifth level</a:t>
             </a:r>
-            <a:endParaRPr lang="en-US"/>
           </a:p>
         </p:txBody>
       </p:sp>
@@ -1298,38 +1307,37 @@
           <a:p>
             <a:pPr lvl="0"/>
             <a:r>
-              <a:rPr lang="en-US" smtClean="0"/>
+              <a:rPr lang="en-US"/>
               <a:t>Click to edit Master text styles</a:t>
             </a:r>
           </a:p>
           <a:p>
             <a:pPr lvl="1"/>
             <a:r>
-              <a:rPr lang="en-US" smtClean="0"/>
+              <a:rPr lang="en-US"/>
               <a:t>Second level</a:t>
             </a:r>
           </a:p>
           <a:p>
             <a:pPr lvl="2"/>
             <a:r>
-              <a:rPr lang="en-US" smtClean="0"/>
+              <a:rPr lang="en-US"/>
               <a:t>Third level</a:t>
             </a:r>
           </a:p>
           <a:p>
             <a:pPr lvl="3"/>
             <a:r>
-              <a:rPr lang="en-US" smtClean="0"/>
+              <a:rPr lang="en-US"/>
               <a:t>Fourth level</a:t>
             </a:r>
           </a:p>
           <a:p>
             <a:pPr lvl="4"/>
             <a:r>
-              <a:rPr lang="en-US" smtClean="0"/>
+              <a:rPr lang="en-US"/>
               <a:t>Fifth level</a:t>
             </a:r>
-            <a:endParaRPr lang="en-US"/>
           </a:p>
         </p:txBody>
       </p:sp>
@@ -1350,7 +1358,7 @@
           <a:p>
             <a:fld id="{5BCAD085-E8A6-8845-BD4E-CB4CCA059FC4}" type="datetimeFigureOut">
               <a:rPr lang="en-US" smtClean="0"/>
-              <a:t>1/27/13</a:t>
+              <a:t>12/12/2025</a:t>
             </a:fld>
             <a:endParaRPr lang="en-US"/>
           </a:p>
@@ -1448,10 +1456,9 @@
           </a:lstStyle>
           <a:p>
             <a:r>
-              <a:rPr lang="en-US" smtClean="0"/>
+              <a:rPr lang="en-US"/>
               <a:t>Click to edit Master title style</a:t>
             </a:r>
-            <a:endParaRPr lang="en-US"/>
           </a:p>
         </p:txBody>
       </p:sp>
@@ -1514,7 +1521,7 @@
           <a:p>
             <a:pPr lvl="0"/>
             <a:r>
-              <a:rPr lang="en-US" smtClean="0"/>
+              <a:rPr lang="en-US"/>
               <a:t>Click to edit Master text styles</a:t>
             </a:r>
           </a:p>
@@ -1570,38 +1577,37 @@
           <a:p>
             <a:pPr lvl="0"/>
             <a:r>
-              <a:rPr lang="en-US" smtClean="0"/>
+              <a:rPr lang="en-US"/>
               <a:t>Click to edit Master text styles</a:t>
             </a:r>
           </a:p>
           <a:p>
             <a:pPr lvl="1"/>
             <a:r>
-              <a:rPr lang="en-US" smtClean="0"/>
+              <a:rPr lang="en-US"/>
               <a:t>Second level</a:t>
             </a:r>
           </a:p>
           <a:p>
             <a:pPr lvl="2"/>
             <a:r>
-              <a:rPr lang="en-US" smtClean="0"/>
+              <a:rPr lang="en-US"/>
               <a:t>Third level</a:t>
             </a:r>
           </a:p>
           <a:p>
             <a:pPr lvl="3"/>
             <a:r>
-              <a:rPr lang="en-US" smtClean="0"/>
+              <a:rPr lang="en-US"/>
               <a:t>Fourth level</a:t>
             </a:r>
           </a:p>
           <a:p>
             <a:pPr lvl="4"/>
             <a:r>
-              <a:rPr lang="en-US" smtClean="0"/>
+              <a:rPr lang="en-US"/>
               <a:t>Fifth level</a:t>
             </a:r>
-            <a:endParaRPr lang="en-US"/>
           </a:p>
         </p:txBody>
       </p:sp>
@@ -1664,7 +1670,7 @@
           <a:p>
             <a:pPr lvl="0"/>
             <a:r>
-              <a:rPr lang="en-US" smtClean="0"/>
+              <a:rPr lang="en-US"/>
               <a:t>Click to edit Master text styles</a:t>
             </a:r>
           </a:p>
@@ -1720,38 +1726,37 @@
           <a:p>
             <a:pPr lvl="0"/>
             <a:r>
-              <a:rPr lang="en-US" smtClean="0"/>
+              <a:rPr lang="en-US"/>
               <a:t>Click to edit Master text styles</a:t>
             </a:r>
           </a:p>
           <a:p>
             <a:pPr lvl="1"/>
             <a:r>
-              <a:rPr lang="en-US" smtClean="0"/>
+              <a:rPr lang="en-US"/>
               <a:t>Second level</a:t>
             </a:r>
           </a:p>
           <a:p>
             <a:pPr lvl="2"/>
             <a:r>
-              <a:rPr lang="en-US" smtClean="0"/>
+              <a:rPr lang="en-US"/>
               <a:t>Third level</a:t>
             </a:r>
           </a:p>
           <a:p>
             <a:pPr lvl="3"/>
             <a:r>
-              <a:rPr lang="en-US" smtClean="0"/>
+              <a:rPr lang="en-US"/>
               <a:t>Fourth level</a:t>
             </a:r>
           </a:p>
           <a:p>
             <a:pPr lvl="4"/>
             <a:r>
-              <a:rPr lang="en-US" smtClean="0"/>
+              <a:rPr lang="en-US"/>
               <a:t>Fifth level</a:t>
             </a:r>
-            <a:endParaRPr lang="en-US"/>
           </a:p>
         </p:txBody>
       </p:sp>
@@ -1772,7 +1777,7 @@
           <a:p>
             <a:fld id="{5BCAD085-E8A6-8845-BD4E-CB4CCA059FC4}" type="datetimeFigureOut">
               <a:rPr lang="en-US" smtClean="0"/>
-              <a:t>1/27/13</a:t>
+              <a:t>12/12/2025</a:t>
             </a:fld>
             <a:endParaRPr lang="en-US"/>
           </a:p>
@@ -1866,10 +1871,9 @@
           <a:lstStyle/>
           <a:p>
             <a:r>
-              <a:rPr lang="en-US" smtClean="0"/>
+              <a:rPr lang="en-US"/>
               <a:t>Click to edit Master title style</a:t>
             </a:r>
-            <a:endParaRPr lang="en-US"/>
           </a:p>
         </p:txBody>
       </p:sp>
@@ -1890,7 +1894,7 @@
           <a:p>
             <a:fld id="{5BCAD085-E8A6-8845-BD4E-CB4CCA059FC4}" type="datetimeFigureOut">
               <a:rPr lang="en-US" smtClean="0"/>
-              <a:t>1/27/13</a:t>
+              <a:t>12/12/2025</a:t>
             </a:fld>
             <a:endParaRPr lang="en-US"/>
           </a:p>
@@ -1985,7 +1989,7 @@
           <a:p>
             <a:fld id="{5BCAD085-E8A6-8845-BD4E-CB4CCA059FC4}" type="datetimeFigureOut">
               <a:rPr lang="en-US" smtClean="0"/>
-              <a:t>1/27/13</a:t>
+              <a:t>12/12/2025</a:t>
             </a:fld>
             <a:endParaRPr lang="en-US"/>
           </a:p>
@@ -2088,10 +2092,9 @@
           </a:lstStyle>
           <a:p>
             <a:r>
-              <a:rPr lang="en-US" smtClean="0"/>
+              <a:rPr lang="en-US"/>
               <a:t>Click to edit Master title style</a:t>
             </a:r>
-            <a:endParaRPr lang="en-US"/>
           </a:p>
         </p:txBody>
       </p:sp>
@@ -2145,38 +2148,37 @@
           <a:p>
             <a:pPr lvl="0"/>
             <a:r>
-              <a:rPr lang="en-US" smtClean="0"/>
+              <a:rPr lang="en-US"/>
               <a:t>Click to edit Master text styles</a:t>
             </a:r>
           </a:p>
           <a:p>
             <a:pPr lvl="1"/>
             <a:r>
-              <a:rPr lang="en-US" smtClean="0"/>
+              <a:rPr lang="en-US"/>
               <a:t>Second level</a:t>
             </a:r>
           </a:p>
           <a:p>
             <a:pPr lvl="2"/>
             <a:r>
-              <a:rPr lang="en-US" smtClean="0"/>
+              <a:rPr lang="en-US"/>
               <a:t>Third level</a:t>
             </a:r>
           </a:p>
           <a:p>
             <a:pPr lvl="3"/>
             <a:r>
-              <a:rPr lang="en-US" smtClean="0"/>
+              <a:rPr lang="en-US"/>
               <a:t>Fourth level</a:t>
             </a:r>
           </a:p>
           <a:p>
             <a:pPr lvl="4"/>
             <a:r>
-              <a:rPr lang="en-US" smtClean="0"/>
+              <a:rPr lang="en-US"/>
               <a:t>Fifth level</a:t>
             </a:r>
-            <a:endParaRPr lang="en-US"/>
           </a:p>
         </p:txBody>
       </p:sp>
@@ -2239,7 +2241,7 @@
           <a:p>
             <a:pPr lvl="0"/>
             <a:r>
-              <a:rPr lang="en-US" smtClean="0"/>
+              <a:rPr lang="en-US"/>
               <a:t>Click to edit Master text styles</a:t>
             </a:r>
           </a:p>
@@ -2262,7 +2264,7 @@
           <a:p>
             <a:fld id="{5BCAD085-E8A6-8845-BD4E-CB4CCA059FC4}" type="datetimeFigureOut">
               <a:rPr lang="en-US" smtClean="0"/>
-              <a:t>1/27/13</a:t>
+              <a:t>12/12/2025</a:t>
             </a:fld>
             <a:endParaRPr lang="en-US"/>
           </a:p>
@@ -2365,10 +2367,9 @@
           </a:lstStyle>
           <a:p>
             <a:r>
-              <a:rPr lang="en-US" smtClean="0"/>
+              <a:rPr lang="en-US"/>
               <a:t>Click to edit Master title style</a:t>
             </a:r>
-            <a:endParaRPr lang="en-US"/>
           </a:p>
         </p:txBody>
       </p:sp>
@@ -2492,7 +2493,7 @@
           <a:p>
             <a:pPr lvl="0"/>
             <a:r>
-              <a:rPr lang="en-US" smtClean="0"/>
+              <a:rPr lang="en-US"/>
               <a:t>Click to edit Master text styles</a:t>
             </a:r>
           </a:p>
@@ -2515,7 +2516,7 @@
           <a:p>
             <a:fld id="{5BCAD085-E8A6-8845-BD4E-CB4CCA059FC4}" type="datetimeFigureOut">
               <a:rPr lang="en-US" smtClean="0"/>
-              <a:t>1/27/13</a:t>
+              <a:t>12/12/2025</a:t>
             </a:fld>
             <a:endParaRPr lang="en-US"/>
           </a:p>
@@ -2624,10 +2625,9 @@
           <a:lstStyle/>
           <a:p>
             <a:r>
-              <a:rPr lang="en-US" smtClean="0"/>
+              <a:rPr lang="en-US"/>
               <a:t>Click to edit Master title style</a:t>
             </a:r>
-            <a:endParaRPr lang="en-US"/>
           </a:p>
         </p:txBody>
       </p:sp>
@@ -2658,38 +2658,37 @@
           <a:p>
             <a:pPr lvl="0"/>
             <a:r>
-              <a:rPr lang="en-US" smtClean="0"/>
+              <a:rPr lang="en-US"/>
               <a:t>Click to edit Master text styles</a:t>
             </a:r>
           </a:p>
           <a:p>
             <a:pPr lvl="1"/>
             <a:r>
-              <a:rPr lang="en-US" smtClean="0"/>
+              <a:rPr lang="en-US"/>
               <a:t>Second level</a:t>
             </a:r>
           </a:p>
           <a:p>
             <a:pPr lvl="2"/>
             <a:r>
-              <a:rPr lang="en-US" smtClean="0"/>
+              <a:rPr lang="en-US"/>
               <a:t>Third level</a:t>
             </a:r>
           </a:p>
           <a:p>
             <a:pPr lvl="3"/>
             <a:r>
-              <a:rPr lang="en-US" smtClean="0"/>
+              <a:rPr lang="en-US"/>
               <a:t>Fourth level</a:t>
             </a:r>
           </a:p>
           <a:p>
             <a:pPr lvl="4"/>
             <a:r>
-              <a:rPr lang="en-US" smtClean="0"/>
+              <a:rPr lang="en-US"/>
               <a:t>Fifth level</a:t>
             </a:r>
-            <a:endParaRPr lang="en-US"/>
           </a:p>
         </p:txBody>
       </p:sp>
@@ -2728,7 +2727,7 @@
           <a:p>
             <a:fld id="{5BCAD085-E8A6-8845-BD4E-CB4CCA059FC4}" type="datetimeFigureOut">
               <a:rPr lang="en-US" smtClean="0"/>
-              <a:t>1/27/13</a:t>
+              <a:t>12/12/2025</a:t>
             </a:fld>
             <a:endParaRPr lang="en-US"/>
           </a:p>
@@ -3087,7 +3086,7 @@
 </file>
 
 <file path=ppt/slides/slide1.xml><?xml version="1.0" encoding="utf-8"?>
-<p:sld xmlns:a="http://schemas.openxmlformats.org/drawingml/2006/main" xmlns:p="http://schemas.openxmlformats.org/presentationml/2006/main" xmlns:r="http://schemas.openxmlformats.org/officeDocument/2006/relationships">
+<p:sld xmlns:a="http://schemas.openxmlformats.org/drawingml/2006/main" xmlns:r="http://schemas.openxmlformats.org/officeDocument/2006/relationships" xmlns:p="http://schemas.openxmlformats.org/presentationml/2006/main">
   <p:cSld>
     <p:spTree>
       <p:nvGrpSpPr>
@@ -3095,7 +3094,14 @@
         <p:cNvGrpSpPr/>
         <p:nvPr/>
       </p:nvGrpSpPr>
-      <p:grpSpPr/>
+      <p:grpSpPr>
+        <a:xfrm>
+          <a:off x="0" y="0"/>
+          <a:ext cx="0" cy="0"/>
+          <a:chOff x="0" y="0"/>
+          <a:chExt cx="0" cy="0"/>
+        </a:xfrm>
+      </p:grpSpPr>
       <p:sp>
         <p:nvSpPr>
           <p:cNvPr id="2" name="Title 1"/>
@@ -3133,17 +3139,370 @@
           <a:lstStyle/>
           <a:p>
             <a:r>
-              <a:t>• django.contrib.auth provides authentication framework</a:t>
-            </a:r>
-          </a:p>
-          <a:p>
-            <a:r>
-              <a:t>• Handles users, passwords, sessions, permissions</a:t>
-            </a:r>
-          </a:p>
-          <a:p>
-            <a:r>
-              <a:t>• Integrated with Django admin</a:t>
+              <a:rPr dirty="0" err="1"/>
+              <a:t>django.contrib.auth</a:t>
+            </a:r>
+            <a:r>
+              <a:rPr dirty="0"/>
+              <a:t> provides authentication framework</a:t>
+            </a:r>
+          </a:p>
+          <a:p>
+            <a:r>
+              <a:rPr dirty="0"/>
+              <a:t>Handles users, passwords, sessions, permissions</a:t>
+            </a:r>
+          </a:p>
+          <a:p>
+            <a:r>
+              <a:rPr dirty="0"/>
+              <a:t>Integrated with Django admin</a:t>
+            </a:r>
+          </a:p>
+        </p:txBody>
+      </p:sp>
+    </p:spTree>
+  </p:cSld>
+  <p:clrMapOvr>
+    <a:masterClrMapping/>
+  </p:clrMapOvr>
+</p:sld>
+</file>
+
+<file path=ppt/slides/slide10.xml><?xml version="1.0" encoding="utf-8"?>
+<p:sld xmlns:a="http://schemas.openxmlformats.org/drawingml/2006/main" xmlns:r="http://schemas.openxmlformats.org/officeDocument/2006/relationships" xmlns:p="http://schemas.openxmlformats.org/presentationml/2006/main">
+  <p:cSld>
+    <p:spTree>
+      <p:nvGrpSpPr>
+        <p:cNvPr id="1" name=""/>
+        <p:cNvGrpSpPr/>
+        <p:nvPr/>
+      </p:nvGrpSpPr>
+      <p:grpSpPr>
+        <a:xfrm>
+          <a:off x="0" y="0"/>
+          <a:ext cx="0" cy="0"/>
+          <a:chOff x="0" y="0"/>
+          <a:chExt cx="0" cy="0"/>
+        </a:xfrm>
+      </p:grpSpPr>
+      <p:sp>
+        <p:nvSpPr>
+          <p:cNvPr id="2" name="Title 1"/>
+          <p:cNvSpPr>
+            <a:spLocks noGrp="1"/>
+          </p:cNvSpPr>
+          <p:nvPr>
+            <p:ph type="title"/>
+          </p:nvPr>
+        </p:nvSpPr>
+        <p:spPr/>
+        <p:txBody>
+          <a:bodyPr/>
+          <a:lstStyle/>
+          <a:p>
+            <a:r>
+              <a:t>Password Handling</a:t>
+            </a:r>
+          </a:p>
+        </p:txBody>
+      </p:sp>
+      <p:sp>
+        <p:nvSpPr>
+          <p:cNvPr id="3" name="Content Placeholder 2"/>
+          <p:cNvSpPr>
+            <a:spLocks noGrp="1"/>
+          </p:cNvSpPr>
+          <p:nvPr>
+            <p:ph idx="1"/>
+          </p:nvPr>
+        </p:nvSpPr>
+        <p:spPr/>
+        <p:txBody>
+          <a:bodyPr/>
+          <a:lstStyle/>
+          <a:p>
+            <a:r>
+              <a:rPr dirty="0"/>
+              <a:t>Secure hashing (PBKDF2 by default)</a:t>
+            </a:r>
+          </a:p>
+          <a:p>
+            <a:r>
+              <a:rPr dirty="0" err="1"/>
+              <a:t>password.set_password</a:t>
+            </a:r>
+            <a:r>
+              <a:rPr dirty="0"/>
+              <a:t>() to hash</a:t>
+            </a:r>
+          </a:p>
+          <a:p>
+            <a:r>
+              <a:rPr dirty="0" err="1"/>
+              <a:t>check_password</a:t>
+            </a:r>
+            <a:r>
+              <a:rPr dirty="0"/>
+              <a:t>() to validate</a:t>
+            </a:r>
+          </a:p>
+        </p:txBody>
+      </p:sp>
+    </p:spTree>
+  </p:cSld>
+  <p:clrMapOvr>
+    <a:masterClrMapping/>
+  </p:clrMapOvr>
+</p:sld>
+</file>
+
+<file path=ppt/slides/slide11.xml><?xml version="1.0" encoding="utf-8"?>
+<p:sld xmlns:a="http://schemas.openxmlformats.org/drawingml/2006/main" xmlns:r="http://schemas.openxmlformats.org/officeDocument/2006/relationships" xmlns:p="http://schemas.openxmlformats.org/presentationml/2006/main">
+  <p:cSld>
+    <p:spTree>
+      <p:nvGrpSpPr>
+        <p:cNvPr id="1" name=""/>
+        <p:cNvGrpSpPr/>
+        <p:nvPr/>
+      </p:nvGrpSpPr>
+      <p:grpSpPr>
+        <a:xfrm>
+          <a:off x="0" y="0"/>
+          <a:ext cx="0" cy="0"/>
+          <a:chOff x="0" y="0"/>
+          <a:chExt cx="0" cy="0"/>
+        </a:xfrm>
+      </p:grpSpPr>
+      <p:sp>
+        <p:nvSpPr>
+          <p:cNvPr id="2" name="Title 1"/>
+          <p:cNvSpPr>
+            <a:spLocks noGrp="1"/>
+          </p:cNvSpPr>
+          <p:nvPr>
+            <p:ph type="title"/>
+          </p:nvPr>
+        </p:nvSpPr>
+        <p:spPr/>
+        <p:txBody>
+          <a:bodyPr/>
+          <a:lstStyle/>
+          <a:p>
+            <a:r>
+              <a:t>Authentication Views</a:t>
+            </a:r>
+          </a:p>
+        </p:txBody>
+      </p:sp>
+      <p:sp>
+        <p:nvSpPr>
+          <p:cNvPr id="3" name="Content Placeholder 2"/>
+          <p:cNvSpPr>
+            <a:spLocks noGrp="1"/>
+          </p:cNvSpPr>
+          <p:nvPr>
+            <p:ph idx="1"/>
+          </p:nvPr>
+        </p:nvSpPr>
+        <p:spPr/>
+        <p:txBody>
+          <a:bodyPr/>
+          <a:lstStyle/>
+          <a:p>
+            <a:r>
+              <a:rPr dirty="0" err="1"/>
+              <a:t>LoginView</a:t>
+            </a:r>
+            <a:endParaRPr dirty="0"/>
+          </a:p>
+          <a:p>
+            <a:r>
+              <a:rPr dirty="0" err="1"/>
+              <a:t>LogoutView</a:t>
+            </a:r>
+            <a:endParaRPr dirty="0"/>
+          </a:p>
+          <a:p>
+            <a:r>
+              <a:rPr dirty="0" err="1"/>
+              <a:t>PasswordChangeView</a:t>
+            </a:r>
+            <a:r>
+              <a:rPr dirty="0"/>
+              <a:t> / </a:t>
+            </a:r>
+            <a:r>
+              <a:rPr dirty="0" err="1"/>
+              <a:t>PasswordResetView</a:t>
+            </a:r>
+            <a:endParaRPr dirty="0"/>
+          </a:p>
+        </p:txBody>
+      </p:sp>
+    </p:spTree>
+  </p:cSld>
+  <p:clrMapOvr>
+    <a:masterClrMapping/>
+  </p:clrMapOvr>
+</p:sld>
+</file>
+
+<file path=ppt/slides/slide12.xml><?xml version="1.0" encoding="utf-8"?>
+<p:sld xmlns:a="http://schemas.openxmlformats.org/drawingml/2006/main" xmlns:r="http://schemas.openxmlformats.org/officeDocument/2006/relationships" xmlns:p="http://schemas.openxmlformats.org/presentationml/2006/main">
+  <p:cSld>
+    <p:spTree>
+      <p:nvGrpSpPr>
+        <p:cNvPr id="1" name=""/>
+        <p:cNvGrpSpPr/>
+        <p:nvPr/>
+      </p:nvGrpSpPr>
+      <p:grpSpPr>
+        <a:xfrm>
+          <a:off x="0" y="0"/>
+          <a:ext cx="0" cy="0"/>
+          <a:chOff x="0" y="0"/>
+          <a:chExt cx="0" cy="0"/>
+        </a:xfrm>
+      </p:grpSpPr>
+      <p:sp>
+        <p:nvSpPr>
+          <p:cNvPr id="2" name="Title 1"/>
+          <p:cNvSpPr>
+            <a:spLocks noGrp="1"/>
+          </p:cNvSpPr>
+          <p:nvPr>
+            <p:ph type="title"/>
+          </p:nvPr>
+        </p:nvSpPr>
+        <p:spPr/>
+        <p:txBody>
+          <a:bodyPr/>
+          <a:lstStyle/>
+          <a:p>
+            <a:r>
+              <a:t>Middleware</a:t>
+            </a:r>
+          </a:p>
+        </p:txBody>
+      </p:sp>
+      <p:sp>
+        <p:nvSpPr>
+          <p:cNvPr id="3" name="Content Placeholder 2"/>
+          <p:cNvSpPr>
+            <a:spLocks noGrp="1"/>
+          </p:cNvSpPr>
+          <p:nvPr>
+            <p:ph idx="1"/>
+          </p:nvPr>
+        </p:nvSpPr>
+        <p:spPr/>
+        <p:txBody>
+          <a:bodyPr/>
+          <a:lstStyle/>
+          <a:p>
+            <a:r>
+              <a:rPr dirty="0" err="1"/>
+              <a:t>AuthenticationMiddleware</a:t>
+            </a:r>
+            <a:r>
+              <a:rPr dirty="0"/>
+              <a:t> loads user into </a:t>
+            </a:r>
+            <a:r>
+              <a:rPr dirty="0" err="1"/>
+              <a:t>request.user</a:t>
+            </a:r>
+            <a:endParaRPr dirty="0"/>
+          </a:p>
+          <a:p>
+            <a:r>
+              <a:rPr dirty="0" err="1"/>
+              <a:t>SessionMiddleware</a:t>
+            </a:r>
+            <a:r>
+              <a:rPr dirty="0"/>
+              <a:t> required</a:t>
+            </a:r>
+          </a:p>
+        </p:txBody>
+      </p:sp>
+    </p:spTree>
+  </p:cSld>
+  <p:clrMapOvr>
+    <a:masterClrMapping/>
+  </p:clrMapOvr>
+</p:sld>
+</file>
+
+<file path=ppt/slides/slide13.xml><?xml version="1.0" encoding="utf-8"?>
+<p:sld xmlns:a="http://schemas.openxmlformats.org/drawingml/2006/main" xmlns:r="http://schemas.openxmlformats.org/officeDocument/2006/relationships" xmlns:p="http://schemas.openxmlformats.org/presentationml/2006/main">
+  <p:cSld>
+    <p:spTree>
+      <p:nvGrpSpPr>
+        <p:cNvPr id="1" name=""/>
+        <p:cNvGrpSpPr/>
+        <p:nvPr/>
+      </p:nvGrpSpPr>
+      <p:grpSpPr>
+        <a:xfrm>
+          <a:off x="0" y="0"/>
+          <a:ext cx="0" cy="0"/>
+          <a:chOff x="0" y="0"/>
+          <a:chExt cx="0" cy="0"/>
+        </a:xfrm>
+      </p:grpSpPr>
+      <p:sp>
+        <p:nvSpPr>
+          <p:cNvPr id="2" name="Title 1"/>
+          <p:cNvSpPr>
+            <a:spLocks noGrp="1"/>
+          </p:cNvSpPr>
+          <p:nvPr>
+            <p:ph type="title"/>
+          </p:nvPr>
+        </p:nvSpPr>
+        <p:spPr/>
+        <p:txBody>
+          <a:bodyPr/>
+          <a:lstStyle/>
+          <a:p>
+            <a:r>
+              <a:t>Summary</a:t>
+            </a:r>
+          </a:p>
+        </p:txBody>
+      </p:sp>
+      <p:sp>
+        <p:nvSpPr>
+          <p:cNvPr id="3" name="Content Placeholder 2"/>
+          <p:cNvSpPr>
+            <a:spLocks noGrp="1"/>
+          </p:cNvSpPr>
+          <p:nvPr>
+            <p:ph idx="1"/>
+          </p:nvPr>
+        </p:nvSpPr>
+        <p:spPr/>
+        <p:txBody>
+          <a:bodyPr/>
+          <a:lstStyle/>
+          <a:p>
+            <a:r>
+              <a:rPr dirty="0"/>
+              <a:t>Full authentication &amp; authorization system</a:t>
+            </a:r>
+          </a:p>
+          <a:p>
+            <a:r>
+              <a:rPr dirty="0"/>
+              <a:t>Extendable and customizable</a:t>
+            </a:r>
+          </a:p>
+          <a:p>
+            <a:r>
+              <a:rPr dirty="0"/>
+              <a:t>Essential for secure Django apps</a:t>
             </a:r>
           </a:p>
         </p:txBody>
@@ -3157,7 +3516,7 @@
 </file>
 
 <file path=ppt/slides/slide2.xml><?xml version="1.0" encoding="utf-8"?>
-<p:sld xmlns:a="http://schemas.openxmlformats.org/drawingml/2006/main" xmlns:p="http://schemas.openxmlformats.org/presentationml/2006/main" xmlns:r="http://schemas.openxmlformats.org/officeDocument/2006/relationships">
+<p:sld xmlns:a="http://schemas.openxmlformats.org/drawingml/2006/main" xmlns:r="http://schemas.openxmlformats.org/officeDocument/2006/relationships" xmlns:p="http://schemas.openxmlformats.org/presentationml/2006/main">
   <p:cSld>
     <p:spTree>
       <p:nvGrpSpPr>
@@ -3165,10 +3524,23 @@
         <p:cNvGrpSpPr/>
         <p:nvPr/>
       </p:nvGrpSpPr>
-      <p:grpSpPr/>
-      <p:sp>
-        <p:nvSpPr>
-          <p:cNvPr id="2" name="Title 1"/>
+      <p:grpSpPr>
+        <a:xfrm>
+          <a:off x="0" y="0"/>
+          <a:ext cx="0" cy="0"/>
+          <a:chOff x="0" y="0"/>
+          <a:chExt cx="0" cy="0"/>
+        </a:xfrm>
+      </p:grpSpPr>
+      <p:sp>
+        <p:nvSpPr>
+          <p:cNvPr id="2" name="Title 1">
+            <a:extLst>
+              <a:ext uri="{FF2B5EF4-FFF2-40B4-BE49-F238E27FC236}">
+                <a16:creationId xmlns:a16="http://schemas.microsoft.com/office/drawing/2014/main" id="{5F3712AD-B814-66C6-1EC6-2F2A7D009314}"/>
+              </a:ext>
+            </a:extLst>
+          </p:cNvPr>
           <p:cNvSpPr>
             <a:spLocks noGrp="1"/>
           </p:cNvSpPr>
@@ -3182,14 +3554,26 @@
           <a:lstStyle/>
           <a:p>
             <a:r>
-              <a:t>Core Components</a:t>
-            </a:r>
-          </a:p>
-        </p:txBody>
-      </p:sp>
-      <p:sp>
-        <p:nvSpPr>
-          <p:cNvPr id="3" name="Content Placeholder 2"/>
+              <a:rPr lang="en-SG" dirty="0"/>
+              <a:t>AuthN vs </a:t>
+            </a:r>
+            <a:r>
+              <a:rPr lang="en-SG" dirty="0" err="1"/>
+              <a:t>AuthR</a:t>
+            </a:r>
+            <a:endParaRPr lang="en-SG" dirty="0"/>
+          </a:p>
+        </p:txBody>
+      </p:sp>
+      <p:sp>
+        <p:nvSpPr>
+          <p:cNvPr id="3" name="Content Placeholder 2">
+            <a:extLst>
+              <a:ext uri="{FF2B5EF4-FFF2-40B4-BE49-F238E27FC236}">
+                <a16:creationId xmlns:a16="http://schemas.microsoft.com/office/drawing/2014/main" id="{BF80C2FE-A993-83A2-5359-F5353D6A8538}"/>
+              </a:ext>
+            </a:extLst>
+          </p:cNvPr>
           <p:cNvSpPr>
             <a:spLocks noGrp="1"/>
           </p:cNvSpPr>
@@ -3197,33 +3581,107 @@
             <p:ph idx="1"/>
           </p:nvPr>
         </p:nvSpPr>
-        <p:spPr/>
-        <p:txBody>
-          <a:bodyPr/>
-          <a:lstStyle/>
-          <a:p>
-            <a:r>
-              <a:t>• User model</a:t>
-            </a:r>
-          </a:p>
-          <a:p>
-            <a:r>
-              <a:t>• Authentication backends</a:t>
-            </a:r>
-          </a:p>
-          <a:p>
-            <a:r>
-              <a:t>• Permissions &amp; groups</a:t>
-            </a:r>
-          </a:p>
-          <a:p>
-            <a:r>
-              <a:t>• Password hashing</a:t>
+        <p:spPr>
+          <a:xfrm>
+            <a:off x="457200" y="2873828"/>
+            <a:ext cx="8229600" cy="2862943"/>
+          </a:xfrm>
+        </p:spPr>
+        <p:txBody>
+          <a:bodyPr/>
+          <a:lstStyle/>
+          <a:p>
+            <a:r>
+              <a:rPr lang="en-SG" dirty="0"/>
+              <a:t>Authentication </a:t>
+            </a:r>
+          </a:p>
+          <a:p>
+            <a:pPr lvl="1"/>
+            <a:r>
+              <a:rPr lang="en-SG" dirty="0"/>
+              <a:t>Determining identity of a user, client or server</a:t>
+            </a:r>
+          </a:p>
+          <a:p>
+            <a:endParaRPr lang="en-SG" dirty="0"/>
+          </a:p>
+          <a:p>
+            <a:r>
+              <a:rPr lang="en-SG" dirty="0"/>
+              <a:t>Authorization</a:t>
+            </a:r>
+          </a:p>
+          <a:p>
+            <a:pPr lvl="1"/>
+            <a:r>
+              <a:rPr lang="en-SG" dirty="0"/>
+              <a:t>Determines what resources a user can access</a:t>
+            </a:r>
+          </a:p>
+        </p:txBody>
+      </p:sp>
+      <p:sp>
+        <p:nvSpPr>
+          <p:cNvPr id="5" name="TextBox 4">
+            <a:extLst>
+              <a:ext uri="{FF2B5EF4-FFF2-40B4-BE49-F238E27FC236}">
+                <a16:creationId xmlns:a16="http://schemas.microsoft.com/office/drawing/2014/main" id="{4C7220C7-D6C7-2167-5A7E-B9AE26668BCF}"/>
+              </a:ext>
+            </a:extLst>
+          </p:cNvPr>
+          <p:cNvSpPr txBox="1"/>
+          <p:nvPr/>
+        </p:nvSpPr>
+        <p:spPr>
+          <a:xfrm>
+            <a:off x="1578429" y="1417638"/>
+            <a:ext cx="7271657" cy="923330"/>
+          </a:xfrm>
+          <a:prstGeom prst="rect">
+            <a:avLst/>
+          </a:prstGeom>
+          <a:noFill/>
+        </p:spPr>
+        <p:txBody>
+          <a:bodyPr wrap="square">
+            <a:spAutoFit/>
+          </a:bodyPr>
+          <a:lstStyle/>
+          <a:p>
+            <a:r>
+              <a:rPr lang="en-SG" dirty="0"/>
+              <a:t>                   ┌───────────┐</a:t>
+            </a:r>
+          </a:p>
+          <a:p>
+            <a:r>
+              <a:rPr lang="en-SG" dirty="0"/>
+              <a:t>Frontend → API Gateway → AuthN → </a:t>
+            </a:r>
+            <a:r>
+              <a:rPr lang="en-SG" dirty="0" err="1"/>
+              <a:t>AuthR</a:t>
+            </a:r>
+            <a:r>
+              <a:rPr lang="en-SG" dirty="0"/>
+              <a:t> → Service</a:t>
+            </a:r>
+          </a:p>
+          <a:p>
+            <a:r>
+              <a:rPr lang="en-SG" dirty="0"/>
+              <a:t>                   └───────────┘</a:t>
             </a:r>
           </a:p>
         </p:txBody>
       </p:sp>
     </p:spTree>
+    <p:extLst>
+      <p:ext uri="{BB962C8B-B14F-4D97-AF65-F5344CB8AC3E}">
+        <p14:creationId xmlns:p14="http://schemas.microsoft.com/office/powerpoint/2010/main" val="3893099176"/>
+      </p:ext>
+    </p:extLst>
   </p:cSld>
   <p:clrMapOvr>
     <a:masterClrMapping/>
@@ -3232,7 +3690,7 @@
 </file>
 
 <file path=ppt/slides/slide3.xml><?xml version="1.0" encoding="utf-8"?>
-<p:sld xmlns:a="http://schemas.openxmlformats.org/drawingml/2006/main" xmlns:p="http://schemas.openxmlformats.org/presentationml/2006/main" xmlns:r="http://schemas.openxmlformats.org/officeDocument/2006/relationships">
+<p:sld xmlns:a="http://schemas.openxmlformats.org/drawingml/2006/main" xmlns:r="http://schemas.openxmlformats.org/officeDocument/2006/relationships" xmlns:p="http://schemas.openxmlformats.org/presentationml/2006/main">
   <p:cSld>
     <p:spTree>
       <p:nvGrpSpPr>
@@ -3240,10 +3698,23 @@
         <p:cNvGrpSpPr/>
         <p:nvPr/>
       </p:nvGrpSpPr>
-      <p:grpSpPr/>
-      <p:sp>
-        <p:nvSpPr>
-          <p:cNvPr id="2" name="Title 1"/>
+      <p:grpSpPr>
+        <a:xfrm>
+          <a:off x="0" y="0"/>
+          <a:ext cx="0" cy="0"/>
+          <a:chOff x="0" y="0"/>
+          <a:chExt cx="0" cy="0"/>
+        </a:xfrm>
+      </p:grpSpPr>
+      <p:sp>
+        <p:nvSpPr>
+          <p:cNvPr id="2" name="Title 1">
+            <a:extLst>
+              <a:ext uri="{FF2B5EF4-FFF2-40B4-BE49-F238E27FC236}">
+                <a16:creationId xmlns:a16="http://schemas.microsoft.com/office/drawing/2014/main" id="{AC31F87B-3F81-ABED-226A-411DF64A6002}"/>
+              </a:ext>
+            </a:extLst>
+          </p:cNvPr>
           <p:cNvSpPr>
             <a:spLocks noGrp="1"/>
           </p:cNvSpPr>
@@ -3253,18 +3724,27 @@
         </p:nvSpPr>
         <p:spPr/>
         <p:txBody>
-          <a:bodyPr/>
-          <a:lstStyle/>
-          <a:p>
-            <a:r>
-              <a:t>User Model</a:t>
-            </a:r>
-          </a:p>
-        </p:txBody>
-      </p:sp>
-      <p:sp>
-        <p:nvSpPr>
-          <p:cNvPr id="3" name="Content Placeholder 2"/>
+          <a:bodyPr>
+            <a:normAutofit fontScale="90000"/>
+          </a:bodyPr>
+          <a:lstStyle/>
+          <a:p>
+            <a:r>
+              <a:rPr lang="en-SG" dirty="0"/>
+              <a:t>Common Authorization Methodologies</a:t>
+            </a:r>
+          </a:p>
+        </p:txBody>
+      </p:sp>
+      <p:sp>
+        <p:nvSpPr>
+          <p:cNvPr id="3" name="Content Placeholder 2">
+            <a:extLst>
+              <a:ext uri="{FF2B5EF4-FFF2-40B4-BE49-F238E27FC236}">
+                <a16:creationId xmlns:a16="http://schemas.microsoft.com/office/drawing/2014/main" id="{A372D851-49C4-E726-222E-31E1A3988990}"/>
+              </a:ext>
+            </a:extLst>
+          </p:cNvPr>
           <p:cNvSpPr>
             <a:spLocks noGrp="1"/>
           </p:cNvSpPr>
@@ -3278,22 +3758,24 @@
           <a:lstStyle/>
           <a:p>
             <a:r>
-              <a:t>• Default User model stored in auth_user table</a:t>
-            </a:r>
-          </a:p>
-          <a:p>
-            <a:r>
-              <a:t>• Fields: username, email, password, is_staff, is_superuser</a:t>
-            </a:r>
-          </a:p>
-          <a:p>
-            <a:r>
-              <a:t>• Custom user models via AUTH_USER_MODEL</a:t>
+              <a:rPr lang="en-SG" dirty="0"/>
+              <a:t>Role-Based Access Control (RBAC)</a:t>
+            </a:r>
+          </a:p>
+          <a:p>
+            <a:r>
+              <a:rPr lang="en-SG" dirty="0"/>
+              <a:t>Attribute-Based Access Control (ABAC)</a:t>
             </a:r>
           </a:p>
         </p:txBody>
       </p:sp>
     </p:spTree>
+    <p:extLst>
+      <p:ext uri="{BB962C8B-B14F-4D97-AF65-F5344CB8AC3E}">
+        <p14:creationId xmlns:p14="http://schemas.microsoft.com/office/powerpoint/2010/main" val="628811994"/>
+      </p:ext>
+    </p:extLst>
   </p:cSld>
   <p:clrMapOvr>
     <a:masterClrMapping/>
@@ -3302,7 +3784,7 @@
 </file>
 
 <file path=ppt/slides/slide4.xml><?xml version="1.0" encoding="utf-8"?>
-<p:sld xmlns:a="http://schemas.openxmlformats.org/drawingml/2006/main" xmlns:p="http://schemas.openxmlformats.org/presentationml/2006/main" xmlns:r="http://schemas.openxmlformats.org/officeDocument/2006/relationships">
+<p:sld xmlns:a="http://schemas.openxmlformats.org/drawingml/2006/main" xmlns:r="http://schemas.openxmlformats.org/officeDocument/2006/relationships" xmlns:p="http://schemas.openxmlformats.org/presentationml/2006/main">
   <p:cSld>
     <p:spTree>
       <p:nvGrpSpPr>
@@ -3310,7 +3792,14 @@
         <p:cNvGrpSpPr/>
         <p:nvPr/>
       </p:nvGrpSpPr>
-      <p:grpSpPr/>
+      <p:grpSpPr>
+        <a:xfrm>
+          <a:off x="0" y="0"/>
+          <a:ext cx="0" cy="0"/>
+          <a:chOff x="0" y="0"/>
+          <a:chExt cx="0" cy="0"/>
+        </a:xfrm>
+      </p:grpSpPr>
       <p:sp>
         <p:nvSpPr>
           <p:cNvPr id="2" name="Title 1"/>
@@ -3327,7 +3816,7 @@
           <a:lstStyle/>
           <a:p>
             <a:r>
-              <a:t>Authentication Process</a:t>
+              <a:t>Core Components</a:t>
             </a:r>
           </a:p>
         </p:txBody>
@@ -3348,17 +3837,26 @@
           <a:lstStyle/>
           <a:p>
             <a:r>
-              <a:t>• authenticate() verifies credentials</a:t>
-            </a:r>
-          </a:p>
-          <a:p>
-            <a:r>
-              <a:t>• login() persists session</a:t>
-            </a:r>
-          </a:p>
-          <a:p>
-            <a:r>
-              <a:t>• logout() clears session data</a:t>
+              <a:rPr dirty="0"/>
+              <a:t>User model</a:t>
+            </a:r>
+          </a:p>
+          <a:p>
+            <a:r>
+              <a:rPr dirty="0"/>
+              <a:t>Authentication backends</a:t>
+            </a:r>
+          </a:p>
+          <a:p>
+            <a:r>
+              <a:rPr dirty="0"/>
+              <a:t>Permissions &amp; groups</a:t>
+            </a:r>
+          </a:p>
+          <a:p>
+            <a:r>
+              <a:rPr dirty="0"/>
+              <a:t>Password hashing</a:t>
             </a:r>
           </a:p>
         </p:txBody>
@@ -3372,7 +3870,7 @@
 </file>
 
 <file path=ppt/slides/slide5.xml><?xml version="1.0" encoding="utf-8"?>
-<p:sld xmlns:a="http://schemas.openxmlformats.org/drawingml/2006/main" xmlns:p="http://schemas.openxmlformats.org/presentationml/2006/main" xmlns:r="http://schemas.openxmlformats.org/officeDocument/2006/relationships">
+<p:sld xmlns:a="http://schemas.openxmlformats.org/drawingml/2006/main" xmlns:r="http://schemas.openxmlformats.org/officeDocument/2006/relationships" xmlns:p="http://schemas.openxmlformats.org/presentationml/2006/main">
   <p:cSld>
     <p:spTree>
       <p:nvGrpSpPr>
@@ -3380,7 +3878,14 @@
         <p:cNvGrpSpPr/>
         <p:nvPr/>
       </p:nvGrpSpPr>
-      <p:grpSpPr/>
+      <p:grpSpPr>
+        <a:xfrm>
+          <a:off x="0" y="0"/>
+          <a:ext cx="0" cy="0"/>
+          <a:chOff x="0" y="0"/>
+          <a:chExt cx="0" cy="0"/>
+        </a:xfrm>
+      </p:grpSpPr>
       <p:sp>
         <p:nvSpPr>
           <p:cNvPr id="2" name="Title 1"/>
@@ -3397,7 +3902,7 @@
           <a:lstStyle/>
           <a:p>
             <a:r>
-              <a:t>Permissions &amp; Groups</a:t>
+              <a:t>User Model</a:t>
             </a:r>
           </a:p>
         </p:txBody>
@@ -3418,17 +3923,70 @@
           <a:lstStyle/>
           <a:p>
             <a:r>
-              <a:t>• Per-object or model-level permissions</a:t>
-            </a:r>
-          </a:p>
-          <a:p>
-            <a:r>
-              <a:t>• Groups bundle permissions</a:t>
-            </a:r>
-          </a:p>
-          <a:p>
-            <a:r>
-              <a:t>• Used in admin and custom views</a:t>
+              <a:rPr dirty="0"/>
+              <a:t>Default User model stored in </a:t>
+            </a:r>
+            <a:r>
+              <a:rPr dirty="0" err="1"/>
+              <a:t>auth_user</a:t>
+            </a:r>
+            <a:r>
+              <a:rPr dirty="0"/>
+              <a:t> table</a:t>
+            </a:r>
+            <a:endParaRPr lang="en-SG" dirty="0"/>
+          </a:p>
+          <a:p>
+            <a:r>
+              <a:rPr lang="en-SG" dirty="0"/>
+              <a:t>User Objects (Core To Authentication System)</a:t>
+            </a:r>
+          </a:p>
+          <a:p>
+            <a:pPr lvl="1"/>
+            <a:r>
+              <a:rPr lang="en-SG" dirty="0"/>
+              <a:t>Superusers</a:t>
+            </a:r>
+          </a:p>
+          <a:p>
+            <a:pPr lvl="1"/>
+            <a:r>
+              <a:rPr lang="en-SG" dirty="0"/>
+              <a:t>Staff</a:t>
+            </a:r>
+          </a:p>
+          <a:p>
+            <a:pPr lvl="1"/>
+            <a:r>
+              <a:rPr lang="en-SG" dirty="0"/>
+              <a:t>User</a:t>
+            </a:r>
+            <a:endParaRPr dirty="0"/>
+          </a:p>
+          <a:p>
+            <a:r>
+              <a:rPr dirty="0"/>
+              <a:t>Fields: username, email, password, </a:t>
+            </a:r>
+            <a:r>
+              <a:rPr dirty="0" err="1"/>
+              <a:t>is_staff</a:t>
+            </a:r>
+            <a:r>
+              <a:rPr dirty="0"/>
+              <a:t>, </a:t>
+            </a:r>
+            <a:r>
+              <a:rPr dirty="0" err="1"/>
+              <a:t>is_superuser</a:t>
+            </a:r>
+            <a:endParaRPr dirty="0"/>
+          </a:p>
+          <a:p>
+            <a:r>
+              <a:rPr dirty="0"/>
+              <a:t>Custom user models via AUTH_USER_MODEL</a:t>
             </a:r>
           </a:p>
         </p:txBody>
@@ -3442,7 +4000,7 @@
 </file>
 
 <file path=ppt/slides/slide6.xml><?xml version="1.0" encoding="utf-8"?>
-<p:sld xmlns:a="http://schemas.openxmlformats.org/drawingml/2006/main" xmlns:p="http://schemas.openxmlformats.org/presentationml/2006/main" xmlns:r="http://schemas.openxmlformats.org/officeDocument/2006/relationships">
+<p:sld xmlns:a="http://schemas.openxmlformats.org/drawingml/2006/main" xmlns:r="http://schemas.openxmlformats.org/officeDocument/2006/relationships" xmlns:p="http://schemas.openxmlformats.org/presentationml/2006/main">
   <p:cSld>
     <p:spTree>
       <p:nvGrpSpPr>
@@ -3450,7 +4008,14 @@
         <p:cNvGrpSpPr/>
         <p:nvPr/>
       </p:nvGrpSpPr>
-      <p:grpSpPr/>
+      <p:grpSpPr>
+        <a:xfrm>
+          <a:off x="0" y="0"/>
+          <a:ext cx="0" cy="0"/>
+          <a:chOff x="0" y="0"/>
+          <a:chExt cx="0" cy="0"/>
+        </a:xfrm>
+      </p:grpSpPr>
       <p:sp>
         <p:nvSpPr>
           <p:cNvPr id="2" name="Title 1"/>
@@ -3467,7 +4032,7 @@
           <a:lstStyle/>
           <a:p>
             <a:r>
-              <a:t>Password Handling</a:t>
+              <a:t>Authentication Process</a:t>
             </a:r>
           </a:p>
         </p:txBody>
@@ -3488,17 +4053,20 @@
           <a:lstStyle/>
           <a:p>
             <a:r>
-              <a:t>• Secure hashing (PBKDF2 by default)</a:t>
-            </a:r>
-          </a:p>
-          <a:p>
-            <a:r>
-              <a:t>• password.set_password() to hash</a:t>
-            </a:r>
-          </a:p>
-          <a:p>
-            <a:r>
-              <a:t>• check_password() to validate</a:t>
+              <a:rPr dirty="0"/>
+              <a:t>authenticate() verifies credentials</a:t>
+            </a:r>
+          </a:p>
+          <a:p>
+            <a:r>
+              <a:rPr dirty="0"/>
+              <a:t>login() persists session</a:t>
+            </a:r>
+          </a:p>
+          <a:p>
+            <a:r>
+              <a:rPr dirty="0"/>
+              <a:t>logout() clears session data</a:t>
             </a:r>
           </a:p>
         </p:txBody>
@@ -3512,7 +4080,7 @@
 </file>
 
 <file path=ppt/slides/slide7.xml><?xml version="1.0" encoding="utf-8"?>
-<p:sld xmlns:a="http://schemas.openxmlformats.org/drawingml/2006/main" xmlns:p="http://schemas.openxmlformats.org/presentationml/2006/main" xmlns:r="http://schemas.openxmlformats.org/officeDocument/2006/relationships">
+<p:sld xmlns:a="http://schemas.openxmlformats.org/drawingml/2006/main" xmlns:r="http://schemas.openxmlformats.org/officeDocument/2006/relationships" xmlns:p="http://schemas.openxmlformats.org/presentationml/2006/main">
   <p:cSld>
     <p:spTree>
       <p:nvGrpSpPr>
@@ -3520,10 +4088,23 @@
         <p:cNvGrpSpPr/>
         <p:nvPr/>
       </p:nvGrpSpPr>
-      <p:grpSpPr/>
-      <p:sp>
-        <p:nvSpPr>
-          <p:cNvPr id="2" name="Title 1"/>
+      <p:grpSpPr>
+        <a:xfrm>
+          <a:off x="0" y="0"/>
+          <a:ext cx="0" cy="0"/>
+          <a:chOff x="0" y="0"/>
+          <a:chExt cx="0" cy="0"/>
+        </a:xfrm>
+      </p:grpSpPr>
+      <p:sp>
+        <p:nvSpPr>
+          <p:cNvPr id="2" name="Title 1">
+            <a:extLst>
+              <a:ext uri="{FF2B5EF4-FFF2-40B4-BE49-F238E27FC236}">
+                <a16:creationId xmlns:a16="http://schemas.microsoft.com/office/drawing/2014/main" id="{8A6A7C7D-6216-0744-B0FC-66F6F9496B8D}"/>
+              </a:ext>
+            </a:extLst>
+          </p:cNvPr>
           <p:cNvSpPr>
             <a:spLocks noGrp="1"/>
           </p:cNvSpPr>
@@ -3537,14 +4118,21 @@
           <a:lstStyle/>
           <a:p>
             <a:r>
-              <a:t>Authentication Views</a:t>
-            </a:r>
-          </a:p>
-        </p:txBody>
-      </p:sp>
-      <p:sp>
-        <p:nvSpPr>
-          <p:cNvPr id="3" name="Content Placeholder 2"/>
+              <a:rPr lang="en-SG" dirty="0"/>
+              <a:t>Permissions (Authorization)</a:t>
+            </a:r>
+          </a:p>
+        </p:txBody>
+      </p:sp>
+      <p:sp>
+        <p:nvSpPr>
+          <p:cNvPr id="3" name="Content Placeholder 2">
+            <a:extLst>
+              <a:ext uri="{FF2B5EF4-FFF2-40B4-BE49-F238E27FC236}">
+                <a16:creationId xmlns:a16="http://schemas.microsoft.com/office/drawing/2014/main" id="{7EE04DF8-8766-E2FA-BFA2-66DD6D4E84E5}"/>
+              </a:ext>
+            </a:extLst>
+          </p:cNvPr>
           <p:cNvSpPr>
             <a:spLocks noGrp="1"/>
           </p:cNvSpPr>
@@ -3558,22 +4146,59 @@
           <a:lstStyle/>
           <a:p>
             <a:r>
-              <a:t>• LoginView</a:t>
-            </a:r>
-          </a:p>
-          <a:p>
-            <a:r>
-              <a:t>• LogoutView</a:t>
-            </a:r>
-          </a:p>
-          <a:p>
-            <a:r>
-              <a:t>• PasswordChangeView / PasswordResetView</a:t>
+              <a:rPr lang="en-SG" dirty="0"/>
+              <a:t>Django comes with a built-in permissions system </a:t>
+            </a:r>
+          </a:p>
+          <a:p>
+            <a:r>
+              <a:rPr lang="en-SG" dirty="0"/>
+              <a:t>Designed for Django admin site initially</a:t>
+            </a:r>
+          </a:p>
+          <a:p>
+            <a:r>
+              <a:rPr lang="en-SG" dirty="0"/>
+              <a:t>Four default permissions (</a:t>
+            </a:r>
+            <a:r>
+              <a:rPr lang="en-SG" dirty="0" err="1"/>
+              <a:t>Django.contrib.auth</a:t>
+            </a:r>
+            <a:r>
+              <a:rPr lang="en-SG" dirty="0"/>
+              <a:t>):</a:t>
+            </a:r>
+          </a:p>
+          <a:p>
+            <a:pPr lvl="1"/>
+            <a:r>
+              <a:rPr lang="en-SG" dirty="0"/>
+              <a:t>Add, change, delete, view</a:t>
+            </a:r>
+          </a:p>
+          <a:p>
+            <a:pPr lvl="1"/>
+            <a:r>
+              <a:rPr lang="en-SG" dirty="0"/>
+              <a:t>Created for each model</a:t>
+            </a:r>
+          </a:p>
+          <a:p>
+            <a:pPr lvl="1"/>
+            <a:r>
+              <a:rPr lang="en-SG" dirty="0"/>
+              <a:t>more</a:t>
             </a:r>
           </a:p>
         </p:txBody>
       </p:sp>
     </p:spTree>
+    <p:extLst>
+      <p:ext uri="{BB962C8B-B14F-4D97-AF65-F5344CB8AC3E}">
+        <p14:creationId xmlns:p14="http://schemas.microsoft.com/office/powerpoint/2010/main" val="1323131528"/>
+      </p:ext>
+    </p:extLst>
   </p:cSld>
   <p:clrMapOvr>
     <a:masterClrMapping/>
@@ -3582,7 +4207,7 @@
 </file>
 
 <file path=ppt/slides/slide8.xml><?xml version="1.0" encoding="utf-8"?>
-<p:sld xmlns:a="http://schemas.openxmlformats.org/drawingml/2006/main" xmlns:p="http://schemas.openxmlformats.org/presentationml/2006/main" xmlns:r="http://schemas.openxmlformats.org/officeDocument/2006/relationships">
+<p:sld xmlns:a="http://schemas.openxmlformats.org/drawingml/2006/main" xmlns:r="http://schemas.openxmlformats.org/officeDocument/2006/relationships" xmlns:p="http://schemas.openxmlformats.org/presentationml/2006/main">
   <p:cSld>
     <p:spTree>
       <p:nvGrpSpPr>
@@ -3590,7 +4215,14 @@
         <p:cNvGrpSpPr/>
         <p:nvPr/>
       </p:nvGrpSpPr>
-      <p:grpSpPr/>
+      <p:grpSpPr>
+        <a:xfrm>
+          <a:off x="0" y="0"/>
+          <a:ext cx="0" cy="0"/>
+          <a:chOff x="0" y="0"/>
+          <a:chExt cx="0" cy="0"/>
+        </a:xfrm>
+      </p:grpSpPr>
       <p:sp>
         <p:nvSpPr>
           <p:cNvPr id="2" name="Title 1"/>
@@ -3607,7 +4239,7 @@
           <a:lstStyle/>
           <a:p>
             <a:r>
-              <a:t>Middleware</a:t>
+              <a:t>Permissions &amp; Groups</a:t>
             </a:r>
           </a:p>
         </p:txBody>
@@ -3628,12 +4260,20 @@
           <a:lstStyle/>
           <a:p>
             <a:r>
-              <a:t>• AuthenticationMiddleware loads user into request.user</a:t>
-            </a:r>
-          </a:p>
-          <a:p>
-            <a:r>
-              <a:t>• SessionMiddleware required</a:t>
+              <a:rPr dirty="0"/>
+              <a:t>Per-object or model-level permissions</a:t>
+            </a:r>
+          </a:p>
+          <a:p>
+            <a:r>
+              <a:rPr dirty="0"/>
+              <a:t>Groups bundle permissions</a:t>
+            </a:r>
+          </a:p>
+          <a:p>
+            <a:r>
+              <a:rPr dirty="0"/>
+              <a:t>Used in admin and custom views</a:t>
             </a:r>
           </a:p>
         </p:txBody>
@@ -3647,7 +4287,7 @@
 </file>
 
 <file path=ppt/slides/slide9.xml><?xml version="1.0" encoding="utf-8"?>
-<p:sld xmlns:a="http://schemas.openxmlformats.org/drawingml/2006/main" xmlns:p="http://schemas.openxmlformats.org/presentationml/2006/main" xmlns:r="http://schemas.openxmlformats.org/officeDocument/2006/relationships">
+<p:sld xmlns:a="http://schemas.openxmlformats.org/drawingml/2006/main" xmlns:r="http://schemas.openxmlformats.org/officeDocument/2006/relationships" xmlns:p="http://schemas.openxmlformats.org/presentationml/2006/main">
   <p:cSld>
     <p:spTree>
       <p:nvGrpSpPr>
@@ -3655,60 +4295,100 @@
         <p:cNvGrpSpPr/>
         <p:nvPr/>
       </p:nvGrpSpPr>
-      <p:grpSpPr/>
-      <p:sp>
-        <p:nvSpPr>
-          <p:cNvPr id="2" name="Title 1"/>
-          <p:cNvSpPr>
-            <a:spLocks noGrp="1"/>
-          </p:cNvSpPr>
-          <p:nvPr>
-            <p:ph type="title"/>
-          </p:nvPr>
-        </p:nvSpPr>
-        <p:spPr/>
-        <p:txBody>
-          <a:bodyPr/>
-          <a:lstStyle/>
-          <a:p>
-            <a:r>
-              <a:t>Summary</a:t>
-            </a:r>
-          </a:p>
-        </p:txBody>
-      </p:sp>
-      <p:sp>
-        <p:nvSpPr>
-          <p:cNvPr id="3" name="Content Placeholder 2"/>
-          <p:cNvSpPr>
-            <a:spLocks noGrp="1"/>
-          </p:cNvSpPr>
-          <p:nvPr>
-            <p:ph idx="1"/>
-          </p:nvPr>
-        </p:nvSpPr>
-        <p:spPr/>
-        <p:txBody>
-          <a:bodyPr/>
-          <a:lstStyle/>
-          <a:p>
-            <a:r>
-              <a:t>• Full authentication &amp; authorization system</a:t>
-            </a:r>
-          </a:p>
-          <a:p>
-            <a:r>
-              <a:t>• Extendable and customizable</a:t>
-            </a:r>
-          </a:p>
-          <a:p>
-            <a:r>
-              <a:t>• Essential for secure Django apps</a:t>
-            </a:r>
+      <p:grpSpPr>
+        <a:xfrm>
+          <a:off x="0" y="0"/>
+          <a:ext cx="0" cy="0"/>
+          <a:chOff x="0" y="0"/>
+          <a:chExt cx="0" cy="0"/>
+        </a:xfrm>
+      </p:grpSpPr>
+      <p:pic>
+        <p:nvPicPr>
+          <p:cNvPr id="5" name="Picture 4" descr="A screenshot of a computer&#10;&#10;AI-generated content may be incorrect.">
+            <a:extLst>
+              <a:ext uri="{FF2B5EF4-FFF2-40B4-BE49-F238E27FC236}">
+                <a16:creationId xmlns:a16="http://schemas.microsoft.com/office/drawing/2014/main" id="{CC3195B8-1DFD-6E7E-F6BA-7A52998E4B03}"/>
+              </a:ext>
+            </a:extLst>
+          </p:cNvPr>
+          <p:cNvPicPr>
+            <a:picLocks noChangeAspect="1"/>
+          </p:cNvPicPr>
+          <p:nvPr/>
+        </p:nvPicPr>
+        <p:blipFill>
+          <a:blip r:embed="rId2"/>
+          <a:stretch>
+            <a:fillRect/>
+          </a:stretch>
+        </p:blipFill>
+        <p:spPr>
+          <a:xfrm>
+            <a:off x="272642" y="1143000"/>
+            <a:ext cx="8680609" cy="4615543"/>
+          </a:xfrm>
+          <a:prstGeom prst="rect">
+            <a:avLst/>
+          </a:prstGeom>
+        </p:spPr>
+      </p:pic>
+      <p:sp>
+        <p:nvSpPr>
+          <p:cNvPr id="7" name="Rectangle 6">
+            <a:extLst>
+              <a:ext uri="{FF2B5EF4-FFF2-40B4-BE49-F238E27FC236}">
+                <a16:creationId xmlns:a16="http://schemas.microsoft.com/office/drawing/2014/main" id="{62CCB257-9E6F-A42F-78FF-3712651E5E3C}"/>
+              </a:ext>
+            </a:extLst>
+          </p:cNvPr>
+          <p:cNvSpPr/>
+          <p:nvPr/>
+        </p:nvSpPr>
+        <p:spPr>
+          <a:xfrm>
+            <a:off x="8665029" y="5268686"/>
+            <a:ext cx="206329" cy="489857"/>
+          </a:xfrm>
+          <a:prstGeom prst="rect">
+            <a:avLst/>
+          </a:prstGeom>
+          <a:solidFill>
+            <a:schemeClr val="bg1"/>
+          </a:solidFill>
+          <a:ln>
+            <a:noFill/>
+          </a:ln>
+        </p:spPr>
+        <p:style>
+          <a:lnRef idx="1">
+            <a:schemeClr val="accent1"/>
+          </a:lnRef>
+          <a:fillRef idx="3">
+            <a:schemeClr val="accent1"/>
+          </a:fillRef>
+          <a:effectRef idx="2">
+            <a:schemeClr val="accent1"/>
+          </a:effectRef>
+          <a:fontRef idx="minor">
+            <a:schemeClr val="lt1"/>
+          </a:fontRef>
+        </p:style>
+        <p:txBody>
+          <a:bodyPr rtlCol="0" anchor="ctr"/>
+          <a:lstStyle/>
+          <a:p>
+            <a:pPr algn="ctr"/>
+            <a:endParaRPr lang="en-SG"/>
           </a:p>
         </p:txBody>
       </p:sp>
     </p:spTree>
+    <p:extLst>
+      <p:ext uri="{BB962C8B-B14F-4D97-AF65-F5344CB8AC3E}">
+        <p14:creationId xmlns:p14="http://schemas.microsoft.com/office/powerpoint/2010/main" val="1109370314"/>
+      </p:ext>
+    </p:extLst>
   </p:cSld>
   <p:clrMapOvr>
     <a:masterClrMapping/>
